--- a/DersSunuları/2.3.Hafta-PSO.pptx
+++ b/DersSunuları/2.3.Hafta-PSO.pptx
@@ -259,7 +259,7 @@
             <a:pPr rtl="0"/>
             <a:fld id="{DB640EDB-8696-4821-9977-ADF2EA20DA76}" type="datetime1">
               <a:rPr lang="tr-TR" smtClean="0"/>
-              <a:t>10.10.2024</a:t>
+              <a:t>14.11.2024</a:t>
             </a:fld>
             <a:endParaRPr lang="tr-TR" dirty="0"/>
           </a:p>
@@ -429,7 +429,7 @@
             <a:pPr rtl="0"/>
             <a:fld id="{175B46EE-8D9E-4234-843E-EA54547AD9AE}" type="datetime1">
               <a:rPr lang="tr-TR" noProof="0" smtClean="0"/>
-              <a:t>10.10.2024</a:t>
+              <a:t>14.11.2024</a:t>
             </a:fld>
             <a:endParaRPr lang="tr-TR" noProof="0" dirty="0"/>
           </a:p>
@@ -2101,7 +2101,7 @@
             <a:pPr rtl="0"/>
             <a:fld id="{5FAED58F-EB5B-4A36-96E7-60A39EA93EB2}" type="datetime1">
               <a:rPr lang="tr-TR" noProof="0" smtClean="0"/>
-              <a:t>10.10.2024</a:t>
+              <a:t>14.11.2024</a:t>
             </a:fld>
             <a:endParaRPr lang="tr-TR" noProof="0" dirty="0"/>
           </a:p>
@@ -2731,7 +2731,7 @@
             <a:pPr rtl="0"/>
             <a:fld id="{B79A2361-2820-4F23-9FB2-E2B2AB16E0CA}" type="datetime1">
               <a:rPr lang="tr-TR" noProof="0" smtClean="0"/>
-              <a:t>10.10.2024</a:t>
+              <a:t>14.11.2024</a:t>
             </a:fld>
             <a:endParaRPr lang="tr-TR" noProof="0" dirty="0"/>
           </a:p>
@@ -3531,12 +3531,28 @@
           <a:lstStyle/>
           <a:p>
             <a:r>
+              <a:rPr lang="tr-TR" dirty="0">
+                <a:solidFill>
+                  <a:schemeClr val="bg1"/>
+                </a:solidFill>
+              </a:rPr>
+              <a:t>3</a:t>
+            </a:r>
+            <a:r>
               <a:rPr lang="tr-TR" dirty="0" smtClean="0">
                 <a:solidFill>
                   <a:schemeClr val="bg1"/>
                 </a:solidFill>
               </a:rPr>
-              <a:t>2. Hafta  - PSO </a:t>
+              <a:t>. </a:t>
+            </a:r>
+            <a:r>
+              <a:rPr lang="tr-TR" dirty="0" smtClean="0">
+                <a:solidFill>
+                  <a:schemeClr val="bg1"/>
+                </a:solidFill>
+              </a:rPr>
+              <a:t>Hafta  - PSO </a:t>
             </a:r>
           </a:p>
         </p:txBody>
@@ -10623,6 +10639,15 @@
 </file>
 
 <file path=customXml/item2.xml><?xml version="1.0" encoding="utf-8"?>
+<p:properties xmlns:p="http://schemas.microsoft.com/office/2006/metadata/properties" xmlns:xsi="http://www.w3.org/2001/XMLSchema-instance" xmlns:pc="http://schemas.microsoft.com/office/infopath/2007/PartnerControls">
+  <documentManagement>
+    <Status xmlns="71af3243-3dd4-4a8d-8c0d-dd76da1f02a5">Not started</Status>
+    <MediaServiceKeyPoints xmlns="71af3243-3dd4-4a8d-8c0d-dd76da1f02a5" xsi:nil="true"/>
+  </documentManagement>
+</p:properties>
+</file>
+
+<file path=customXml/item3.xml><?xml version="1.0" encoding="utf-8"?>
 <ct:contentTypeSchema xmlns:ct="http://schemas.microsoft.com/office/2006/metadata/contentType" xmlns:ma="http://schemas.microsoft.com/office/2006/metadata/properties/metaAttributes" ct:_="" ma:_="" ma:contentTypeName="Document" ma:contentTypeID="0x01010079F111ED35F8CC479449609E8A0923A6" ma:contentTypeVersion="12" ma:contentTypeDescription="Create a new document." ma:contentTypeScope="" ma:versionID="a8a52e8c320b9a064ae3583ae3861c92">
   <xsd:schema xmlns:xsd="http://www.w3.org/2001/XMLSchema" xmlns:xs="http://www.w3.org/2001/XMLSchema" xmlns:p="http://schemas.microsoft.com/office/2006/metadata/properties" xmlns:ns2="71af3243-3dd4-4a8d-8c0d-dd76da1f02a5" xmlns:ns3="16c05727-aa75-4e4a-9b5f-8a80a1165891" targetNamespace="http://schemas.microsoft.com/office/2006/metadata/properties" ma:root="true" ma:fieldsID="88020cb39231a0945110f9cd888b521a" ns2:_="" ns3:_="">
     <xsd:import namespace="71af3243-3dd4-4a8d-8c0d-dd76da1f02a5"/>
@@ -10843,15 +10868,6 @@
 </ct:contentTypeSchema>
 </file>
 
-<file path=customXml/item3.xml><?xml version="1.0" encoding="utf-8"?>
-<p:properties xmlns:p="http://schemas.microsoft.com/office/2006/metadata/properties" xmlns:xsi="http://www.w3.org/2001/XMLSchema-instance" xmlns:pc="http://schemas.microsoft.com/office/infopath/2007/PartnerControls">
-  <documentManagement>
-    <Status xmlns="71af3243-3dd4-4a8d-8c0d-dd76da1f02a5">Not started</Status>
-    <MediaServiceKeyPoints xmlns="71af3243-3dd4-4a8d-8c0d-dd76da1f02a5" xsi:nil="true"/>
-  </documentManagement>
-</p:properties>
-</file>
-
 <file path=customXml/itemProps1.xml><?xml version="1.0" encoding="utf-8"?>
 <ds:datastoreItem xmlns:ds="http://schemas.openxmlformats.org/officeDocument/2006/customXml" ds:itemID="{7EE8C63A-4744-4DE4-BB49-0FF0B5375C60}">
   <ds:schemaRefs>
@@ -10861,6 +10877,16 @@
 </file>
 
 <file path=customXml/itemProps2.xml><?xml version="1.0" encoding="utf-8"?>
+<ds:datastoreItem xmlns:ds="http://schemas.openxmlformats.org/officeDocument/2006/customXml" ds:itemID="{950072C5-DDE0-4258-BA7A-4D4B80DFA632}">
+  <ds:schemaRefs>
+    <ds:schemaRef ds:uri="http://schemas.microsoft.com/office/2006/metadata/properties"/>
+    <ds:schemaRef ds:uri="http://schemas.microsoft.com/office/infopath/2007/PartnerControls"/>
+    <ds:schemaRef ds:uri="71af3243-3dd4-4a8d-8c0d-dd76da1f02a5"/>
+  </ds:schemaRefs>
+</ds:datastoreItem>
+</file>
+
+<file path=customXml/itemProps3.xml><?xml version="1.0" encoding="utf-8"?>
 <ds:datastoreItem xmlns:ds="http://schemas.openxmlformats.org/officeDocument/2006/customXml" ds:itemID="{FD7FC771-7DFE-49DA-B577-71181BFBCB2E}">
   <ds:schemaRefs>
     <ds:schemaRef ds:uri="http://schemas.microsoft.com/office/2006/metadata/contentType"/>
@@ -10877,14 +10903,4 @@
     <ds:schemaRef ds:uri="http://schemas.microsoft.com/internal/obd"/>
   </ds:schemaRefs>
 </ds:datastoreItem>
-</file>
-
-<file path=customXml/itemProps3.xml><?xml version="1.0" encoding="utf-8"?>
-<ds:datastoreItem xmlns:ds="http://schemas.openxmlformats.org/officeDocument/2006/customXml" ds:itemID="{950072C5-DDE0-4258-BA7A-4D4B80DFA632}">
-  <ds:schemaRefs>
-    <ds:schemaRef ds:uri="http://schemas.microsoft.com/office/2006/metadata/properties"/>
-    <ds:schemaRef ds:uri="http://schemas.microsoft.com/office/infopath/2007/PartnerControls"/>
-    <ds:schemaRef ds:uri="71af3243-3dd4-4a8d-8c0d-dd76da1f02a5"/>
-  </ds:schemaRefs>
-</ds:datastoreItem>
 </file>